--- a/Prezentace/Obhajoba_1_pol.pptx
+++ b/Prezentace/Obhajoba_1_pol.pptx
@@ -23084,7 +23084,7 @@
           <a:p>
             <a:r>
               <a:rPr lang="cs-CZ" dirty="0"/>
-              <a:t>Cíle</a:t>
+              <a:t>Cíle (První pololetí)</a:t>
             </a:r>
           </a:p>
         </p:txBody>
@@ -24108,7 +24108,7 @@
           <a:p>
             <a:r>
               <a:rPr lang="cs-CZ" dirty="0"/>
-              <a:t>Děkuji za pozornost</a:t>
+              <a:t>Děkujeme za pozornost</a:t>
             </a:r>
           </a:p>
         </p:txBody>

--- a/Prezentace/Obhajoba_1_pol.pptx
+++ b/Prezentace/Obhajoba_1_pol.pptx
@@ -3431,7 +3431,7 @@
           <a:p>
             <a:fld id="{0DAF61AA-5A98-4049-A93E-477E5505141A}" type="datetimeFigureOut">
               <a:rPr lang="en-US" smtClean="0"/>
-              <a:t>1/13/2022</a:t>
+              <a:t>1/14/2022</a:t>
             </a:fld>
             <a:endParaRPr lang="en-US" dirty="0"/>
           </a:p>
@@ -3629,7 +3629,7 @@
           <a:p>
             <a:fld id="{0DAF61AA-5A98-4049-A93E-477E5505141A}" type="datetimeFigureOut">
               <a:rPr lang="en-US" smtClean="0"/>
-              <a:t>1/13/2022</a:t>
+              <a:t>1/14/2022</a:t>
             </a:fld>
             <a:endParaRPr lang="en-US"/>
           </a:p>
@@ -3837,7 +3837,7 @@
           <a:p>
             <a:fld id="{0DAF61AA-5A98-4049-A93E-477E5505141A}" type="datetimeFigureOut">
               <a:rPr lang="en-US" smtClean="0"/>
-              <a:t>1/13/2022</a:t>
+              <a:t>1/14/2022</a:t>
             </a:fld>
             <a:endParaRPr lang="en-US"/>
           </a:p>
@@ -4035,7 +4035,7 @@
           <a:p>
             <a:fld id="{0DAF61AA-5A98-4049-A93E-477E5505141A}" type="datetimeFigureOut">
               <a:rPr lang="en-US" smtClean="0"/>
-              <a:t>1/13/2022</a:t>
+              <a:t>1/14/2022</a:t>
             </a:fld>
             <a:endParaRPr lang="en-US"/>
           </a:p>
@@ -4310,7 +4310,7 @@
           <a:p>
             <a:fld id="{0DAF61AA-5A98-4049-A93E-477E5505141A}" type="datetimeFigureOut">
               <a:rPr lang="en-US" smtClean="0"/>
-              <a:t>1/13/2022</a:t>
+              <a:t>1/14/2022</a:t>
             </a:fld>
             <a:endParaRPr lang="en-US"/>
           </a:p>
@@ -4575,7 +4575,7 @@
           <a:p>
             <a:fld id="{0DAF61AA-5A98-4049-A93E-477E5505141A}" type="datetimeFigureOut">
               <a:rPr lang="en-US" smtClean="0"/>
-              <a:t>1/13/2022</a:t>
+              <a:t>1/14/2022</a:t>
             </a:fld>
             <a:endParaRPr lang="en-US"/>
           </a:p>
@@ -4987,7 +4987,7 @@
           <a:p>
             <a:fld id="{0DAF61AA-5A98-4049-A93E-477E5505141A}" type="datetimeFigureOut">
               <a:rPr lang="en-US" smtClean="0"/>
-              <a:t>1/13/2022</a:t>
+              <a:t>1/14/2022</a:t>
             </a:fld>
             <a:endParaRPr lang="en-US"/>
           </a:p>
@@ -5128,7 +5128,7 @@
           <a:p>
             <a:fld id="{0DAF61AA-5A98-4049-A93E-477E5505141A}" type="datetimeFigureOut">
               <a:rPr lang="en-US" smtClean="0"/>
-              <a:t>1/13/2022</a:t>
+              <a:t>1/14/2022</a:t>
             </a:fld>
             <a:endParaRPr lang="en-US"/>
           </a:p>
@@ -5241,7 +5241,7 @@
           <a:p>
             <a:fld id="{0DAF61AA-5A98-4049-A93E-477E5505141A}" type="datetimeFigureOut">
               <a:rPr lang="en-US" smtClean="0"/>
-              <a:t>1/13/2022</a:t>
+              <a:t>1/14/2022</a:t>
             </a:fld>
             <a:endParaRPr lang="en-US"/>
           </a:p>
@@ -5552,7 +5552,7 @@
           <a:p>
             <a:fld id="{0DAF61AA-5A98-4049-A93E-477E5505141A}" type="datetimeFigureOut">
               <a:rPr lang="en-US" smtClean="0"/>
-              <a:t>1/13/2022</a:t>
+              <a:t>1/14/2022</a:t>
             </a:fld>
             <a:endParaRPr lang="en-US"/>
           </a:p>
@@ -5843,7 +5843,7 @@
           <a:p>
             <a:fld id="{0DAF61AA-5A98-4049-A93E-477E5505141A}" type="datetimeFigureOut">
               <a:rPr lang="en-US" smtClean="0"/>
-              <a:t>1/13/2022</a:t>
+              <a:t>1/14/2022</a:t>
             </a:fld>
             <a:endParaRPr lang="en-US"/>
           </a:p>
@@ -9531,7 +9531,7 @@
             <a:fld id="{0DAF61AA-5A98-4049-A93E-477E5505141A}" type="datetimeFigureOut">
               <a:rPr lang="en-US" smtClean="0"/>
               <a:pPr/>
-              <a:t>1/13/2022</a:t>
+              <a:t>1/14/2022</a:t>
             </a:fld>
             <a:endParaRPr lang="en-US" dirty="0"/>
           </a:p>
@@ -23846,6 +23846,9 @@
             </a:r>
           </a:p>
           <a:p>
+            <a:endParaRPr lang="cs-CZ" dirty="0"/>
+          </a:p>
+          <a:p>
             <a:r>
               <a:rPr lang="cs-CZ" dirty="0"/>
               <a:t>Inventář </a:t>
